--- a/06c_Virtualization/virtualization_survival_skills.pptx
+++ b/06c_Virtualization/virtualization_survival_skills.pptx
@@ -230,7 +230,7 @@
           <a:p>
             <a:fld id="{08F62E20-B1AA-3442-B8F1-F4A56998389D}" type="datetimeFigureOut">
               <a:rPr lang="en-US" smtClean="0"/>
-              <a:t>4/24/19</a:t>
+              <a:t>5/6/19</a:t>
             </a:fld>
             <a:endParaRPr lang="en-US"/>
           </a:p>
@@ -936,7 +936,7 @@
           <a:p>
             <a:fld id="{2691D6E4-0F7A-0249-86EF-226720E50E4C}" type="datetimeFigureOut">
               <a:rPr lang="en-US" smtClean="0"/>
-              <a:t>4/24/19</a:t>
+              <a:t>5/6/19</a:t>
             </a:fld>
             <a:endParaRPr lang="en-US"/>
           </a:p>
@@ -1128,7 +1128,7 @@
           <a:p>
             <a:fld id="{2691D6E4-0F7A-0249-86EF-226720E50E4C}" type="datetimeFigureOut">
               <a:rPr lang="en-US" smtClean="0"/>
-              <a:t>4/24/19</a:t>
+              <a:t>5/6/19</a:t>
             </a:fld>
             <a:endParaRPr lang="en-US"/>
           </a:p>
@@ -1330,7 +1330,7 @@
           <a:p>
             <a:fld id="{2691D6E4-0F7A-0249-86EF-226720E50E4C}" type="datetimeFigureOut">
               <a:rPr lang="en-US" smtClean="0"/>
-              <a:t>4/24/19</a:t>
+              <a:t>5/6/19</a:t>
             </a:fld>
             <a:endParaRPr lang="en-US"/>
           </a:p>
@@ -1522,7 +1522,7 @@
           <a:p>
             <a:fld id="{2691D6E4-0F7A-0249-86EF-226720E50E4C}" type="datetimeFigureOut">
               <a:rPr lang="en-US" smtClean="0"/>
-              <a:t>4/24/19</a:t>
+              <a:t>5/6/19</a:t>
             </a:fld>
             <a:endParaRPr lang="en-US"/>
           </a:p>
@@ -1791,7 +1791,7 @@
           <a:p>
             <a:fld id="{2691D6E4-0F7A-0249-86EF-226720E50E4C}" type="datetimeFigureOut">
               <a:rPr lang="en-US" smtClean="0"/>
-              <a:t>4/24/19</a:t>
+              <a:t>5/6/19</a:t>
             </a:fld>
             <a:endParaRPr lang="en-US"/>
           </a:p>
@@ -2100,7 +2100,7 @@
           <a:p>
             <a:fld id="{2691D6E4-0F7A-0249-86EF-226720E50E4C}" type="datetimeFigureOut">
               <a:rPr lang="en-US" smtClean="0"/>
-              <a:t>4/24/19</a:t>
+              <a:t>5/6/19</a:t>
             </a:fld>
             <a:endParaRPr lang="en-US"/>
           </a:p>
@@ -2543,7 +2543,7 @@
           <a:p>
             <a:fld id="{2691D6E4-0F7A-0249-86EF-226720E50E4C}" type="datetimeFigureOut">
               <a:rPr lang="en-US" smtClean="0"/>
-              <a:t>4/24/19</a:t>
+              <a:t>5/6/19</a:t>
             </a:fld>
             <a:endParaRPr lang="en-US"/>
           </a:p>
@@ -2684,7 +2684,7 @@
           <a:p>
             <a:fld id="{2691D6E4-0F7A-0249-86EF-226720E50E4C}" type="datetimeFigureOut">
               <a:rPr lang="en-US" smtClean="0"/>
-              <a:t>4/24/19</a:t>
+              <a:t>5/6/19</a:t>
             </a:fld>
             <a:endParaRPr lang="en-US"/>
           </a:p>
@@ -2803,7 +2803,7 @@
           <a:p>
             <a:fld id="{2691D6E4-0F7A-0249-86EF-226720E50E4C}" type="datetimeFigureOut">
               <a:rPr lang="en-US" smtClean="0"/>
-              <a:t>4/24/19</a:t>
+              <a:t>5/6/19</a:t>
             </a:fld>
             <a:endParaRPr lang="en-US"/>
           </a:p>
@@ -3102,7 +3102,7 @@
           <a:p>
             <a:fld id="{2691D6E4-0F7A-0249-86EF-226720E50E4C}" type="datetimeFigureOut">
               <a:rPr lang="en-US" smtClean="0"/>
-              <a:t>4/24/19</a:t>
+              <a:t>5/6/19</a:t>
             </a:fld>
             <a:endParaRPr lang="en-US"/>
           </a:p>
@@ -3378,7 +3378,7 @@
           <a:p>
             <a:fld id="{2691D6E4-0F7A-0249-86EF-226720E50E4C}" type="datetimeFigureOut">
               <a:rPr lang="en-US" smtClean="0"/>
-              <a:t>4/24/19</a:t>
+              <a:t>5/6/19</a:t>
             </a:fld>
             <a:endParaRPr lang="en-US"/>
           </a:p>
@@ -4528,28 +4528,29 @@
               <a:defRPr/>
             </a:pPr>
             <a:r>
-              <a:rPr lang="en-US" i="1" dirty="0" err="1">
-                <a:latin typeface="Calibri" charset="0"/>
-              </a:rPr>
-              <a:t>virtualenv</a:t>
-            </a:r>
-            <a:r>
               <a:rPr lang="en-US" dirty="0">
                 <a:latin typeface="Calibri" charset="0"/>
               </a:rPr>
-              <a:t> </a:t>
-            </a:r>
-            <a:r>
-              <a:rPr lang="mr-IN" dirty="0">
+              <a:t>Using </a:t>
+            </a:r>
+            <a:r>
+              <a:rPr lang="en-US" dirty="0" err="1">
+                <a:latin typeface="Courier New" panose="02070309020205020404" pitchFamily="49" charset="0"/>
+                <a:cs typeface="Courier New" panose="02070309020205020404" pitchFamily="49" charset="0"/>
+              </a:rPr>
+              <a:t>conda</a:t>
+            </a:r>
+            <a:r>
+              <a:rPr lang="en-US" dirty="0" err="1">
                 <a:latin typeface="Calibri" charset="0"/>
               </a:rPr>
-              <a:t>–</a:t>
+              <a:t>’s</a:t>
             </a:r>
             <a:r>
               <a:rPr lang="en-US" dirty="0">
                 <a:latin typeface="Calibri" charset="0"/>
               </a:rPr>
-              <a:t> Python environment ‘virtualization’</a:t>
+              <a:t> virtualization environment</a:t>
             </a:r>
           </a:p>
         </p:txBody>
